--- a/Gem classification with Deep Learning.pptx
+++ b/Gem classification with Deep Learning.pptx
@@ -5068,7 +5068,7 @@
             </a:pPr>
             <a:r>
               <a:rPr lang="en-GB" dirty="0"/>
-              <a:t>As we didn’t have access to large numbers of pre-classified real images so simulated images were used for the first tests.</a:t>
+              <a:t>As we didn’t have access to large numbers of pre-classified real images so simulated images were used for the first tests. Stone of different sizes, positions and angles were generated. </a:t>
             </a:r>
           </a:p>
           <a:p>
